--- a/docs/diagrams/EmailComponentClassDiagram.pptx
+++ b/docs/diagrams/EmailComponentClassDiagram.pptx
@@ -197,7 +197,7 @@
           <a:p>
             <a:fld id="{5F14B769-8678-E648-9B79-0A95DB38EC5F}" type="datetimeFigureOut">
               <a:rPr lang="en-US" smtClean="0"/>
-              <a:t>10/24/17</a:t>
+              <a:t>10/25/17</a:t>
             </a:fld>
             <a:endParaRPr lang="en-US"/>
           </a:p>
@@ -596,7 +596,7 @@
           <a:p>
             <a:fld id="{61461519-67BE-3046-BA3C-7C5D598459A7}" type="datetimeFigureOut">
               <a:rPr lang="en-US" smtClean="0"/>
-              <a:t>10/24/17</a:t>
+              <a:t>10/25/17</a:t>
             </a:fld>
             <a:endParaRPr lang="en-US"/>
           </a:p>
@@ -766,7 +766,7 @@
           <a:p>
             <a:fld id="{61461519-67BE-3046-BA3C-7C5D598459A7}" type="datetimeFigureOut">
               <a:rPr lang="en-US" smtClean="0"/>
-              <a:t>10/24/17</a:t>
+              <a:t>10/25/17</a:t>
             </a:fld>
             <a:endParaRPr lang="en-US"/>
           </a:p>
@@ -946,7 +946,7 @@
           <a:p>
             <a:fld id="{61461519-67BE-3046-BA3C-7C5D598459A7}" type="datetimeFigureOut">
               <a:rPr lang="en-US" smtClean="0"/>
-              <a:t>10/24/17</a:t>
+              <a:t>10/25/17</a:t>
             </a:fld>
             <a:endParaRPr lang="en-US"/>
           </a:p>
@@ -1116,7 +1116,7 @@
           <a:p>
             <a:fld id="{61461519-67BE-3046-BA3C-7C5D598459A7}" type="datetimeFigureOut">
               <a:rPr lang="en-US" smtClean="0"/>
-              <a:t>10/24/17</a:t>
+              <a:t>10/25/17</a:t>
             </a:fld>
             <a:endParaRPr lang="en-US"/>
           </a:p>
@@ -1362,7 +1362,7 @@
           <a:p>
             <a:fld id="{61461519-67BE-3046-BA3C-7C5D598459A7}" type="datetimeFigureOut">
               <a:rPr lang="en-US" smtClean="0"/>
-              <a:t>10/24/17</a:t>
+              <a:t>10/25/17</a:t>
             </a:fld>
             <a:endParaRPr lang="en-US"/>
           </a:p>
@@ -1594,7 +1594,7 @@
           <a:p>
             <a:fld id="{61461519-67BE-3046-BA3C-7C5D598459A7}" type="datetimeFigureOut">
               <a:rPr lang="en-US" smtClean="0"/>
-              <a:t>10/24/17</a:t>
+              <a:t>10/25/17</a:t>
             </a:fld>
             <a:endParaRPr lang="en-US"/>
           </a:p>
@@ -1961,7 +1961,7 @@
           <a:p>
             <a:fld id="{61461519-67BE-3046-BA3C-7C5D598459A7}" type="datetimeFigureOut">
               <a:rPr lang="en-US" smtClean="0"/>
-              <a:t>10/24/17</a:t>
+              <a:t>10/25/17</a:t>
             </a:fld>
             <a:endParaRPr lang="en-US"/>
           </a:p>
@@ -2079,7 +2079,7 @@
           <a:p>
             <a:fld id="{61461519-67BE-3046-BA3C-7C5D598459A7}" type="datetimeFigureOut">
               <a:rPr lang="en-US" smtClean="0"/>
-              <a:t>10/24/17</a:t>
+              <a:t>10/25/17</a:t>
             </a:fld>
             <a:endParaRPr lang="en-US"/>
           </a:p>
@@ -2174,7 +2174,7 @@
           <a:p>
             <a:fld id="{61461519-67BE-3046-BA3C-7C5D598459A7}" type="datetimeFigureOut">
               <a:rPr lang="en-US" smtClean="0"/>
-              <a:t>10/24/17</a:t>
+              <a:t>10/25/17</a:t>
             </a:fld>
             <a:endParaRPr lang="en-US"/>
           </a:p>
@@ -2451,7 +2451,7 @@
           <a:p>
             <a:fld id="{61461519-67BE-3046-BA3C-7C5D598459A7}" type="datetimeFigureOut">
               <a:rPr lang="en-US" smtClean="0"/>
-              <a:t>10/24/17</a:t>
+              <a:t>10/25/17</a:t>
             </a:fld>
             <a:endParaRPr lang="en-US"/>
           </a:p>
@@ -2704,7 +2704,7 @@
           <a:p>
             <a:fld id="{61461519-67BE-3046-BA3C-7C5D598459A7}" type="datetimeFigureOut">
               <a:rPr lang="en-US" smtClean="0"/>
-              <a:t>10/24/17</a:t>
+              <a:t>10/25/17</a:t>
             </a:fld>
             <a:endParaRPr lang="en-US"/>
           </a:p>
@@ -2917,7 +2917,7 @@
           <a:p>
             <a:fld id="{61461519-67BE-3046-BA3C-7C5D598459A7}" type="datetimeFigureOut">
               <a:rPr lang="en-US" smtClean="0"/>
-              <a:t>10/24/17</a:t>
+              <a:t>10/25/17</a:t>
             </a:fld>
             <a:endParaRPr lang="en-US"/>
           </a:p>
@@ -3330,7 +3330,7 @@
         </p:nvSpPr>
         <p:spPr>
           <a:xfrm>
-            <a:off x="704336" y="420130"/>
+            <a:off x="284206" y="395417"/>
             <a:ext cx="9873050" cy="716692"/>
           </a:xfrm>
           <a:prstGeom prst="roundRect">
@@ -3377,8 +3377,8 @@
         </p:nvSpPr>
         <p:spPr>
           <a:xfrm>
-            <a:off x="731112" y="1716162"/>
-            <a:ext cx="9873048" cy="4857472"/>
+            <a:off x="310982" y="1691449"/>
+            <a:ext cx="9433140" cy="4857472"/>
           </a:xfrm>
           <a:prstGeom prst="roundRect">
             <a:avLst/>
@@ -3422,7 +3422,7 @@
         </p:nvCxnSpPr>
         <p:spPr>
           <a:xfrm>
-            <a:off x="2140809" y="1136822"/>
+            <a:off x="1720679" y="1112109"/>
             <a:ext cx="0" cy="864967"/>
           </a:xfrm>
           <a:prstGeom prst="straightConnector1">
@@ -3459,7 +3459,7 @@
         </p:nvSpPr>
         <p:spPr>
           <a:xfrm>
-            <a:off x="1229499" y="2001789"/>
+            <a:off x="809369" y="1977076"/>
             <a:ext cx="1822620" cy="667266"/>
           </a:xfrm>
           <a:prstGeom prst="roundRect">
@@ -3525,7 +3525,7 @@
         </p:nvSpPr>
         <p:spPr>
           <a:xfrm>
-            <a:off x="2261286" y="2804984"/>
+            <a:off x="1841156" y="2780271"/>
             <a:ext cx="790833" cy="3498225"/>
           </a:xfrm>
           <a:prstGeom prst="roundRect">
@@ -3580,7 +3580,7 @@
         </p:nvSpPr>
         <p:spPr>
           <a:xfrm>
-            <a:off x="1458097" y="2669055"/>
+            <a:off x="1037967" y="2644342"/>
             <a:ext cx="358346" cy="321275"/>
           </a:xfrm>
           <a:prstGeom prst="triangle">
@@ -3625,7 +3625,7 @@
         </p:nvCxnSpPr>
         <p:spPr>
           <a:xfrm>
-            <a:off x="1637270" y="2990330"/>
+            <a:off x="1217140" y="2965617"/>
             <a:ext cx="0" cy="1445739"/>
           </a:xfrm>
           <a:prstGeom prst="line">
@@ -3663,7 +3663,7 @@
         </p:nvCxnSpPr>
         <p:spPr>
           <a:xfrm>
-            <a:off x="1637270" y="4436069"/>
+            <a:off x="1217140" y="4411356"/>
             <a:ext cx="624016" cy="0"/>
           </a:xfrm>
           <a:prstGeom prst="line">
@@ -3701,7 +3701,7 @@
         </p:nvSpPr>
         <p:spPr>
           <a:xfrm rot="2632597">
-            <a:off x="3091932" y="3081631"/>
+            <a:off x="2671802" y="3056918"/>
             <a:ext cx="234594" cy="209367"/>
           </a:xfrm>
           <a:prstGeom prst="rect">
@@ -3751,7 +3751,7 @@
         </p:nvSpPr>
         <p:spPr>
           <a:xfrm rot="2632597">
-            <a:off x="3120763" y="4333792"/>
+            <a:off x="2700633" y="4309079"/>
             <a:ext cx="234594" cy="209367"/>
           </a:xfrm>
           <a:prstGeom prst="rect">
@@ -3801,7 +3801,7 @@
         </p:nvSpPr>
         <p:spPr>
           <a:xfrm rot="2632597">
-            <a:off x="3120763" y="5804249"/>
+            <a:off x="2700633" y="5779536"/>
             <a:ext cx="234594" cy="209367"/>
           </a:xfrm>
           <a:prstGeom prst="rect">
@@ -3851,7 +3851,7 @@
         </p:nvSpPr>
         <p:spPr>
           <a:xfrm>
-            <a:off x="3975224" y="2868024"/>
+            <a:off x="3555094" y="2843311"/>
             <a:ext cx="1696523" cy="590593"/>
           </a:xfrm>
           <a:prstGeom prst="roundRect">
@@ -3906,7 +3906,7 @@
         </p:nvSpPr>
         <p:spPr>
           <a:xfrm>
-            <a:off x="3979341" y="4144898"/>
+            <a:off x="3559211" y="4120185"/>
             <a:ext cx="1692406" cy="590593"/>
           </a:xfrm>
           <a:prstGeom prst="roundRect">
@@ -3961,7 +3961,7 @@
         </p:nvSpPr>
         <p:spPr>
           <a:xfrm>
-            <a:off x="3983458" y="5619476"/>
+            <a:off x="3563328" y="5594763"/>
             <a:ext cx="1688291" cy="590593"/>
           </a:xfrm>
           <a:prstGeom prst="roundRect">
@@ -4016,7 +4016,7 @@
         </p:nvCxnSpPr>
         <p:spPr>
           <a:xfrm flipV="1">
-            <a:off x="3355973" y="3175678"/>
+            <a:off x="2935843" y="3150965"/>
             <a:ext cx="610542" cy="1"/>
           </a:xfrm>
           <a:prstGeom prst="straightConnector1">
@@ -4054,7 +4054,7 @@
         </p:nvCxnSpPr>
         <p:spPr>
           <a:xfrm flipV="1">
-            <a:off x="3384805" y="4411359"/>
+            <a:off x="2964675" y="4386646"/>
             <a:ext cx="581710" cy="16480"/>
           </a:xfrm>
           <a:prstGeom prst="straightConnector1">
@@ -4092,7 +4092,7 @@
         </p:nvCxnSpPr>
         <p:spPr>
           <a:xfrm flipV="1">
-            <a:off x="3376565" y="5894172"/>
+            <a:off x="2956435" y="5869459"/>
             <a:ext cx="589950" cy="8246"/>
           </a:xfrm>
           <a:prstGeom prst="straightConnector1">
@@ -4130,7 +4130,7 @@
         </p:nvSpPr>
         <p:spPr>
           <a:xfrm>
-            <a:off x="3723735" y="2855774"/>
+            <a:off x="3303605" y="2831061"/>
             <a:ext cx="185351" cy="369332"/>
           </a:xfrm>
           <a:prstGeom prst="rect">
@@ -4160,7 +4160,7 @@
         </p:nvSpPr>
         <p:spPr>
           <a:xfrm>
-            <a:off x="3727853" y="4033795"/>
+            <a:off x="3307723" y="4009082"/>
             <a:ext cx="185351" cy="369332"/>
           </a:xfrm>
           <a:prstGeom prst="rect">
@@ -4190,7 +4190,7 @@
         </p:nvSpPr>
         <p:spPr>
           <a:xfrm>
-            <a:off x="3744328" y="5533083"/>
+            <a:off x="3324198" y="5508370"/>
             <a:ext cx="185351" cy="369332"/>
           </a:xfrm>
           <a:prstGeom prst="rect">
@@ -4220,8 +4220,8 @@
         </p:nvSpPr>
         <p:spPr>
           <a:xfrm>
-            <a:off x="6459611" y="5624226"/>
-            <a:ext cx="1427206" cy="585843"/>
+            <a:off x="5803318" y="5610395"/>
+            <a:ext cx="1427206" cy="562867"/>
           </a:xfrm>
           <a:prstGeom prst="roundRect">
             <a:avLst/>
@@ -4275,7 +4275,7 @@
         </p:nvSpPr>
         <p:spPr>
           <a:xfrm rot="2632597">
-            <a:off x="5707448" y="5833079"/>
+            <a:off x="5287318" y="5808366"/>
             <a:ext cx="234594" cy="209367"/>
           </a:xfrm>
           <a:prstGeom prst="rect">
@@ -4326,9 +4326,9 @@
           <p:nvPr/>
         </p:nvCxnSpPr>
         <p:spPr>
-          <a:xfrm flipV="1">
-            <a:off x="5963250" y="5917147"/>
-            <a:ext cx="496361" cy="14102"/>
+          <a:xfrm>
+            <a:off x="5543120" y="5906536"/>
+            <a:ext cx="248180" cy="4118"/>
           </a:xfrm>
           <a:prstGeom prst="straightConnector1">
             <a:avLst/>
@@ -4365,7 +4365,7 @@
         </p:nvSpPr>
         <p:spPr>
           <a:xfrm rot="2632597">
-            <a:off x="7935786" y="5837197"/>
+            <a:off x="7268336" y="5787145"/>
             <a:ext cx="234594" cy="209367"/>
           </a:xfrm>
           <a:prstGeom prst="rect">
@@ -4414,9 +4414,9 @@
           <p:nvPr/>
         </p:nvCxnSpPr>
         <p:spPr>
-          <a:xfrm flipV="1">
-            <a:off x="8191588" y="5921265"/>
-            <a:ext cx="496361" cy="14102"/>
+          <a:xfrm>
+            <a:off x="7535909" y="5884218"/>
+            <a:ext cx="320593" cy="1"/>
           </a:xfrm>
           <a:prstGeom prst="straightConnector1">
             <a:avLst/>
@@ -4453,7 +4453,7 @@
         </p:nvSpPr>
         <p:spPr>
           <a:xfrm>
-            <a:off x="8687948" y="5601250"/>
+            <a:off x="7856744" y="5599513"/>
             <a:ext cx="1621939" cy="585843"/>
           </a:xfrm>
           <a:prstGeom prst="roundRect">
@@ -4508,7 +4508,7 @@
         </p:nvSpPr>
         <p:spPr>
           <a:xfrm>
-            <a:off x="6062867" y="4793468"/>
+            <a:off x="5642737" y="4768755"/>
             <a:ext cx="2764391" cy="629135"/>
           </a:xfrm>
           <a:prstGeom prst="roundRect">
@@ -4574,7 +4574,7 @@
         </p:nvSpPr>
         <p:spPr>
           <a:xfrm rot="16200000">
-            <a:off x="8823277" y="4938261"/>
+            <a:off x="8403147" y="4913548"/>
             <a:ext cx="358346" cy="321275"/>
           </a:xfrm>
           <a:prstGeom prst="triangle">
@@ -4618,9 +4618,9 @@
           <p:nvPr/>
         </p:nvCxnSpPr>
         <p:spPr>
-          <a:xfrm>
-            <a:off x="9177642" y="5098898"/>
-            <a:ext cx="321275" cy="1"/>
+          <a:xfrm flipV="1">
+            <a:off x="8757512" y="5073735"/>
+            <a:ext cx="172992" cy="450"/>
           </a:xfrm>
           <a:prstGeom prst="line">
             <a:avLst/>
@@ -4657,7 +4657,7 @@
         </p:nvCxnSpPr>
         <p:spPr>
           <a:xfrm>
-            <a:off x="9498917" y="5108035"/>
+            <a:off x="8930504" y="5095679"/>
             <a:ext cx="0" cy="459947"/>
           </a:xfrm>
           <a:prstGeom prst="line">
@@ -4697,7 +4697,7 @@
         </p:nvCxnSpPr>
         <p:spPr>
           <a:xfrm flipH="1" flipV="1">
-            <a:off x="4823485" y="3458618"/>
+            <a:off x="4403355" y="3433905"/>
             <a:ext cx="2059" cy="686280"/>
           </a:xfrm>
           <a:prstGeom prst="straightConnector1">
@@ -4737,7 +4737,7 @@
         </p:nvCxnSpPr>
         <p:spPr>
           <a:xfrm>
-            <a:off x="4815248" y="4764479"/>
+            <a:off x="4395118" y="4739766"/>
             <a:ext cx="12356" cy="854997"/>
           </a:xfrm>
           <a:prstGeom prst="straightConnector1">
@@ -4775,7 +4775,7 @@
         </p:nvSpPr>
         <p:spPr>
           <a:xfrm>
-            <a:off x="4531041" y="3391234"/>
+            <a:off x="4110911" y="3366521"/>
             <a:ext cx="185351" cy="369332"/>
           </a:xfrm>
           <a:prstGeom prst="rect">
@@ -4805,7 +4805,7 @@
         </p:nvSpPr>
         <p:spPr>
           <a:xfrm>
-            <a:off x="4535157" y="5298300"/>
+            <a:off x="4115027" y="5273587"/>
             <a:ext cx="185351" cy="369332"/>
           </a:xfrm>
           <a:prstGeom prst="rect">
@@ -4835,7 +4835,7 @@
         </p:nvSpPr>
         <p:spPr>
           <a:xfrm>
-            <a:off x="4833781" y="3827736"/>
+            <a:off x="4413651" y="3803023"/>
             <a:ext cx="1118170" cy="307777"/>
           </a:xfrm>
           <a:prstGeom prst="rect">
@@ -4865,7 +4865,7 @@
         </p:nvSpPr>
         <p:spPr>
           <a:xfrm>
-            <a:off x="4800882" y="4839974"/>
+            <a:off x="4380752" y="4815261"/>
             <a:ext cx="1118170" cy="307777"/>
           </a:xfrm>
           <a:prstGeom prst="rect">
@@ -4895,7 +4895,7 @@
         </p:nvSpPr>
         <p:spPr>
           <a:xfrm>
-            <a:off x="5144747" y="3811754"/>
+            <a:off x="4724617" y="3787041"/>
             <a:ext cx="94502" cy="82332"/>
           </a:xfrm>
           <a:prstGeom prst="triangle">
@@ -4940,7 +4940,7 @@
         </p:nvSpPr>
         <p:spPr>
           <a:xfrm flipV="1">
-            <a:off x="5099437" y="5119823"/>
+            <a:off x="4679307" y="5095110"/>
             <a:ext cx="123343" cy="83955"/>
           </a:xfrm>
           <a:prstGeom prst="triangle">
@@ -4985,7 +4985,7 @@
         </p:nvGrpSpPr>
         <p:grpSpPr>
           <a:xfrm>
-            <a:off x="10834583" y="3035047"/>
+            <a:off x="10369992" y="1958442"/>
             <a:ext cx="1173892" cy="685900"/>
             <a:chOff x="10834583" y="3035047"/>
             <a:chExt cx="1173892" cy="685900"/>
@@ -5083,8 +5083,8 @@
         </p:nvSpPr>
         <p:spPr>
           <a:xfrm>
-            <a:off x="6528944" y="2766866"/>
-            <a:ext cx="2159004" cy="1437509"/>
+            <a:off x="9923295" y="3674651"/>
+            <a:ext cx="2067287" cy="1480088"/>
           </a:xfrm>
           <a:prstGeom prst="ellipse">
             <a:avLst/>
@@ -5118,50 +5118,6 @@
             <a:r>
               <a:rPr lang="en-US" dirty="0" smtClean="0"/>
               <a:t> API</a:t>
-            </a:r>
-            <a:endParaRPr lang="en-US" dirty="0"/>
-          </a:p>
-        </p:txBody>
-      </p:sp>
-      <p:sp>
-        <p:nvSpPr>
-          <p:cNvPr id="84" name="Rectangle 83"/>
-          <p:cNvSpPr/>
-          <p:nvPr/>
-        </p:nvSpPr>
-        <p:spPr>
-          <a:xfrm>
-            <a:off x="9338279" y="2802368"/>
-            <a:ext cx="825973" cy="1272251"/>
-          </a:xfrm>
-          <a:prstGeom prst="rect">
-            <a:avLst/>
-          </a:prstGeom>
-        </p:spPr>
-        <p:style>
-          <a:lnRef idx="2">
-            <a:schemeClr val="accent1">
-              <a:shade val="50000"/>
-            </a:schemeClr>
-          </a:lnRef>
-          <a:fillRef idx="1">
-            <a:schemeClr val="accent1"/>
-          </a:fillRef>
-          <a:effectRef idx="0">
-            <a:schemeClr val="accent1"/>
-          </a:effectRef>
-          <a:fontRef idx="minor">
-            <a:schemeClr val="lt1"/>
-          </a:fontRef>
-        </p:style>
-        <p:txBody>
-          <a:bodyPr rtlCol="0" anchor="ctr"/>
-          <a:lstStyle/>
-          <a:p>
-            <a:pPr algn="ctr"/>
-            <a:r>
-              <a:rPr lang="en-US" dirty="0" smtClean="0"/>
-              <a:t>SMTP</a:t>
             </a:r>
             <a:endParaRPr lang="en-US" dirty="0"/>
           </a:p>
@@ -5176,9 +5132,9 @@
           <p:nvPr/>
         </p:nvCxnSpPr>
         <p:spPr>
-          <a:xfrm flipV="1">
-            <a:off x="5671747" y="4436069"/>
-            <a:ext cx="539683" cy="4126"/>
+          <a:xfrm>
+            <a:off x="5251617" y="4415482"/>
+            <a:ext cx="4684216" cy="9881"/>
           </a:xfrm>
           <a:prstGeom prst="line">
             <a:avLst/>
@@ -5208,127 +5164,17 @@
       </p:cxnSp>
       <p:cxnSp>
         <p:nvCxnSpPr>
-          <p:cNvPr id="88" name="Straight Connector 87"/>
-          <p:cNvCxnSpPr/>
-          <p:nvPr/>
-        </p:nvCxnSpPr>
-        <p:spPr>
-          <a:xfrm flipV="1">
-            <a:off x="6211430" y="3549603"/>
-            <a:ext cx="0" cy="900464"/>
-          </a:xfrm>
-          <a:prstGeom prst="line">
-            <a:avLst/>
-          </a:prstGeom>
-          <a:ln w="38100">
-            <a:solidFill>
-              <a:schemeClr val="accent4">
-                <a:lumMod val="75000"/>
-              </a:schemeClr>
-            </a:solidFill>
-          </a:ln>
-        </p:spPr>
-        <p:style>
-          <a:lnRef idx="1">
-            <a:schemeClr val="accent1"/>
-          </a:lnRef>
-          <a:fillRef idx="0">
-            <a:schemeClr val="accent1"/>
-          </a:fillRef>
-          <a:effectRef idx="0">
-            <a:schemeClr val="accent1"/>
-          </a:effectRef>
-          <a:fontRef idx="minor">
-            <a:schemeClr val="tx1"/>
-          </a:fontRef>
-        </p:style>
-      </p:cxnSp>
-      <p:cxnSp>
-        <p:nvCxnSpPr>
-          <p:cNvPr id="92" name="Straight Connector 91"/>
-          <p:cNvCxnSpPr/>
-          <p:nvPr/>
-        </p:nvCxnSpPr>
-        <p:spPr>
-          <a:xfrm>
-            <a:off x="6211430" y="3549603"/>
-            <a:ext cx="317514" cy="0"/>
-          </a:xfrm>
-          <a:prstGeom prst="line">
-            <a:avLst/>
-          </a:prstGeom>
-          <a:ln w="38100">
-            <a:solidFill>
-              <a:schemeClr val="accent4">
-                <a:lumMod val="75000"/>
-              </a:schemeClr>
-            </a:solidFill>
-          </a:ln>
-        </p:spPr>
-        <p:style>
-          <a:lnRef idx="1">
-            <a:schemeClr val="accent1"/>
-          </a:lnRef>
-          <a:fillRef idx="0">
-            <a:schemeClr val="accent1"/>
-          </a:fillRef>
-          <a:effectRef idx="0">
-            <a:schemeClr val="accent1"/>
-          </a:effectRef>
-          <a:fontRef idx="minor">
-            <a:schemeClr val="tx1"/>
-          </a:fontRef>
-        </p:style>
-      </p:cxnSp>
-      <p:cxnSp>
-        <p:nvCxnSpPr>
-          <p:cNvPr id="94" name="Straight Connector 93"/>
+          <p:cNvPr id="97" name="Straight Arrow Connector 96"/>
           <p:cNvCxnSpPr>
-            <a:endCxn id="84" idx="1"/>
+            <a:stCxn id="79" idx="2"/>
+            <a:endCxn id="83" idx="0"/>
           </p:cNvCxnSpPr>
           <p:nvPr/>
         </p:nvCxnSpPr>
         <p:spPr>
-          <a:xfrm flipV="1">
-            <a:off x="8687948" y="3438494"/>
-            <a:ext cx="650331" cy="17388"/>
-          </a:xfrm>
-          <a:prstGeom prst="line">
-            <a:avLst/>
-          </a:prstGeom>
-          <a:ln w="38100">
-            <a:solidFill>
-              <a:schemeClr val="accent4">
-                <a:lumMod val="75000"/>
-              </a:schemeClr>
-            </a:solidFill>
-          </a:ln>
-        </p:spPr>
-        <p:style>
-          <a:lnRef idx="1">
-            <a:schemeClr val="accent1"/>
-          </a:lnRef>
-          <a:fillRef idx="0">
-            <a:schemeClr val="accent1"/>
-          </a:fillRef>
-          <a:effectRef idx="0">
-            <a:schemeClr val="accent1"/>
-          </a:effectRef>
-          <a:fontRef idx="minor">
-            <a:schemeClr val="tx1"/>
-          </a:fontRef>
-        </p:style>
-      </p:cxnSp>
-      <p:cxnSp>
-        <p:nvCxnSpPr>
-          <p:cNvPr id="97" name="Straight Arrow Connector 96"/>
-          <p:cNvCxnSpPr/>
-          <p:nvPr/>
-        </p:nvCxnSpPr>
-        <p:spPr>
-          <a:xfrm>
-            <a:off x="10164252" y="3391234"/>
-            <a:ext cx="670331" cy="0"/>
+          <a:xfrm>
+            <a:off x="10956938" y="2644342"/>
+            <a:ext cx="1" cy="1030309"/>
           </a:xfrm>
           <a:prstGeom prst="straightConnector1">
             <a:avLst/>
@@ -5358,6 +5204,66 @@
           </a:fontRef>
         </p:style>
       </p:cxnSp>
+      <p:sp>
+        <p:nvSpPr>
+          <p:cNvPr id="52" name="TextBox 51"/>
+          <p:cNvSpPr txBox="1"/>
+          <p:nvPr/>
+        </p:nvSpPr>
+        <p:spPr>
+          <a:xfrm>
+            <a:off x="5552529" y="5586626"/>
+            <a:ext cx="185351" cy="369332"/>
+          </a:xfrm>
+          <a:prstGeom prst="rect">
+            <a:avLst/>
+          </a:prstGeom>
+          <a:noFill/>
+        </p:spPr>
+        <p:txBody>
+          <a:bodyPr wrap="square" rtlCol="0">
+            <a:spAutoFit/>
+          </a:bodyPr>
+          <a:lstStyle/>
+          <a:p>
+            <a:r>
+              <a:rPr lang="en-US" dirty="0"/>
+              <a:t>1</a:t>
+            </a:r>
+            <a:endParaRPr lang="en-US" dirty="0"/>
+          </a:p>
+        </p:txBody>
+      </p:sp>
+      <p:sp>
+        <p:nvSpPr>
+          <p:cNvPr id="57" name="TextBox 56"/>
+          <p:cNvSpPr txBox="1"/>
+          <p:nvPr/>
+        </p:nvSpPr>
+        <p:spPr>
+          <a:xfrm>
+            <a:off x="7616116" y="5574269"/>
+            <a:ext cx="185351" cy="369332"/>
+          </a:xfrm>
+          <a:prstGeom prst="rect">
+            <a:avLst/>
+          </a:prstGeom>
+          <a:noFill/>
+        </p:spPr>
+        <p:txBody>
+          <a:bodyPr wrap="square" rtlCol="0">
+            <a:spAutoFit/>
+          </a:bodyPr>
+          <a:lstStyle/>
+          <a:p>
+            <a:r>
+              <a:rPr lang="en-US" dirty="0" smtClean="0"/>
+              <a:t>*</a:t>
+            </a:r>
+            <a:endParaRPr lang="en-US" dirty="0"/>
+          </a:p>
+        </p:txBody>
+      </p:sp>
     </p:spTree>
     <p:extLst>
       <p:ext uri="{BB962C8B-B14F-4D97-AF65-F5344CB8AC3E}">

--- a/docs/diagrams/EmailComponentClassDiagram.pptx
+++ b/docs/diagrams/EmailComponentClassDiagram.pptx
@@ -197,7 +197,7 @@
           <a:p>
             <a:fld id="{5F14B769-8678-E648-9B79-0A95DB38EC5F}" type="datetimeFigureOut">
               <a:rPr lang="en-US" smtClean="0"/>
-              <a:t>10/25/17</a:t>
+              <a:t>10/27/17</a:t>
             </a:fld>
             <a:endParaRPr lang="en-US"/>
           </a:p>
@@ -596,7 +596,7 @@
           <a:p>
             <a:fld id="{61461519-67BE-3046-BA3C-7C5D598459A7}" type="datetimeFigureOut">
               <a:rPr lang="en-US" smtClean="0"/>
-              <a:t>10/25/17</a:t>
+              <a:t>10/27/17</a:t>
             </a:fld>
             <a:endParaRPr lang="en-US"/>
           </a:p>
@@ -766,7 +766,7 @@
           <a:p>
             <a:fld id="{61461519-67BE-3046-BA3C-7C5D598459A7}" type="datetimeFigureOut">
               <a:rPr lang="en-US" smtClean="0"/>
-              <a:t>10/25/17</a:t>
+              <a:t>10/27/17</a:t>
             </a:fld>
             <a:endParaRPr lang="en-US"/>
           </a:p>
@@ -946,7 +946,7 @@
           <a:p>
             <a:fld id="{61461519-67BE-3046-BA3C-7C5D598459A7}" type="datetimeFigureOut">
               <a:rPr lang="en-US" smtClean="0"/>
-              <a:t>10/25/17</a:t>
+              <a:t>10/27/17</a:t>
             </a:fld>
             <a:endParaRPr lang="en-US"/>
           </a:p>
@@ -1116,7 +1116,7 @@
           <a:p>
             <a:fld id="{61461519-67BE-3046-BA3C-7C5D598459A7}" type="datetimeFigureOut">
               <a:rPr lang="en-US" smtClean="0"/>
-              <a:t>10/25/17</a:t>
+              <a:t>10/27/17</a:t>
             </a:fld>
             <a:endParaRPr lang="en-US"/>
           </a:p>
@@ -1362,7 +1362,7 @@
           <a:p>
             <a:fld id="{61461519-67BE-3046-BA3C-7C5D598459A7}" type="datetimeFigureOut">
               <a:rPr lang="en-US" smtClean="0"/>
-              <a:t>10/25/17</a:t>
+              <a:t>10/27/17</a:t>
             </a:fld>
             <a:endParaRPr lang="en-US"/>
           </a:p>
@@ -1594,7 +1594,7 @@
           <a:p>
             <a:fld id="{61461519-67BE-3046-BA3C-7C5D598459A7}" type="datetimeFigureOut">
               <a:rPr lang="en-US" smtClean="0"/>
-              <a:t>10/25/17</a:t>
+              <a:t>10/27/17</a:t>
             </a:fld>
             <a:endParaRPr lang="en-US"/>
           </a:p>
@@ -1961,7 +1961,7 @@
           <a:p>
             <a:fld id="{61461519-67BE-3046-BA3C-7C5D598459A7}" type="datetimeFigureOut">
               <a:rPr lang="en-US" smtClean="0"/>
-              <a:t>10/25/17</a:t>
+              <a:t>10/27/17</a:t>
             </a:fld>
             <a:endParaRPr lang="en-US"/>
           </a:p>
@@ -2079,7 +2079,7 @@
           <a:p>
             <a:fld id="{61461519-67BE-3046-BA3C-7C5D598459A7}" type="datetimeFigureOut">
               <a:rPr lang="en-US" smtClean="0"/>
-              <a:t>10/25/17</a:t>
+              <a:t>10/27/17</a:t>
             </a:fld>
             <a:endParaRPr lang="en-US"/>
           </a:p>
@@ -2174,7 +2174,7 @@
           <a:p>
             <a:fld id="{61461519-67BE-3046-BA3C-7C5D598459A7}" type="datetimeFigureOut">
               <a:rPr lang="en-US" smtClean="0"/>
-              <a:t>10/25/17</a:t>
+              <a:t>10/27/17</a:t>
             </a:fld>
             <a:endParaRPr lang="en-US"/>
           </a:p>
@@ -2451,7 +2451,7 @@
           <a:p>
             <a:fld id="{61461519-67BE-3046-BA3C-7C5D598459A7}" type="datetimeFigureOut">
               <a:rPr lang="en-US" smtClean="0"/>
-              <a:t>10/25/17</a:t>
+              <a:t>10/27/17</a:t>
             </a:fld>
             <a:endParaRPr lang="en-US"/>
           </a:p>
@@ -2704,7 +2704,7 @@
           <a:p>
             <a:fld id="{61461519-67BE-3046-BA3C-7C5D598459A7}" type="datetimeFigureOut">
               <a:rPr lang="en-US" smtClean="0"/>
-              <a:t>10/25/17</a:t>
+              <a:t>10/27/17</a:t>
             </a:fld>
             <a:endParaRPr lang="en-US"/>
           </a:p>
@@ -2917,7 +2917,7 @@
           <a:p>
             <a:fld id="{61461519-67BE-3046-BA3C-7C5D598459A7}" type="datetimeFigureOut">
               <a:rPr lang="en-US" smtClean="0"/>
-              <a:t>10/25/17</a:t>
+              <a:t>10/27/17</a:t>
             </a:fld>
             <a:endParaRPr lang="en-US"/>
           </a:p>
@@ -3377,15 +3377,25 @@
         </p:nvSpPr>
         <p:spPr>
           <a:xfrm>
-            <a:off x="310982" y="1691449"/>
-            <a:ext cx="9433140" cy="4857472"/>
+            <a:off x="310982" y="1470454"/>
+            <a:ext cx="9433140" cy="5078467"/>
           </a:xfrm>
           <a:prstGeom prst="roundRect">
-            <a:avLst/>
+            <a:avLst>
+              <a:gd name="adj" fmla="val 7391"/>
+            </a:avLst>
           </a:prstGeom>
           <a:solidFill>
             <a:srgbClr val="FFF3BF"/>
           </a:solidFill>
+          <a:ln>
+            <a:solidFill>
+              <a:schemeClr val="accent4">
+                <a:lumMod val="20000"/>
+                <a:lumOff val="80000"/>
+              </a:schemeClr>
+            </a:solidFill>
+          </a:ln>
         </p:spPr>
         <p:style>
           <a:lnRef idx="2">
@@ -3404,11 +3414,22 @@
           </a:fontRef>
         </p:style>
         <p:txBody>
-          <a:bodyPr rtlCol="0" anchor="ctr"/>
-          <a:lstStyle/>
-          <a:p>
-            <a:pPr algn="ctr"/>
-            <a:endParaRPr lang="en-US"/>
+          <a:bodyPr rtlCol="0" anchor="t"/>
+          <a:lstStyle/>
+          <a:p>
+            <a:r>
+              <a:rPr lang="en-US" dirty="0" smtClean="0">
+                <a:solidFill>
+                  <a:schemeClr val="accent4"/>
+                </a:solidFill>
+              </a:rPr>
+              <a:t>Email</a:t>
+            </a:r>
+            <a:endParaRPr lang="en-US" dirty="0">
+              <a:solidFill>
+                <a:schemeClr val="accent4"/>
+              </a:solidFill>
+            </a:endParaRPr>
           </a:p>
         </p:txBody>
       </p:sp>
@@ -5125,45 +5146,6 @@
       </p:sp>
       <p:cxnSp>
         <p:nvCxnSpPr>
-          <p:cNvPr id="86" name="Straight Connector 85"/>
-          <p:cNvCxnSpPr>
-            <a:stCxn id="25" idx="3"/>
-          </p:cNvCxnSpPr>
-          <p:nvPr/>
-        </p:nvCxnSpPr>
-        <p:spPr>
-          <a:xfrm>
-            <a:off x="5251617" y="4415482"/>
-            <a:ext cx="4684216" cy="9881"/>
-          </a:xfrm>
-          <a:prstGeom prst="line">
-            <a:avLst/>
-          </a:prstGeom>
-          <a:ln w="38100">
-            <a:solidFill>
-              <a:schemeClr val="accent4">
-                <a:lumMod val="75000"/>
-              </a:schemeClr>
-            </a:solidFill>
-          </a:ln>
-        </p:spPr>
-        <p:style>
-          <a:lnRef idx="1">
-            <a:schemeClr val="accent1"/>
-          </a:lnRef>
-          <a:fillRef idx="0">
-            <a:schemeClr val="accent1"/>
-          </a:fillRef>
-          <a:effectRef idx="0">
-            <a:schemeClr val="accent1"/>
-          </a:effectRef>
-          <a:fontRef idx="minor">
-            <a:schemeClr val="tx1"/>
-          </a:fontRef>
-        </p:style>
-      </p:cxnSp>
-      <p:cxnSp>
-        <p:nvCxnSpPr>
           <p:cNvPr id="97" name="Straight Arrow Connector 96"/>
           <p:cNvCxnSpPr>
             <a:stCxn id="79" idx="2"/>
@@ -5230,7 +5212,6 @@
               <a:rPr lang="en-US" dirty="0"/>
               <a:t>1</a:t>
             </a:r>
-            <a:endParaRPr lang="en-US" dirty="0"/>
           </a:p>
         </p:txBody>
       </p:sp>
@@ -5264,6 +5245,47 @@
           </a:p>
         </p:txBody>
       </p:sp>
+      <p:cxnSp>
+        <p:nvCxnSpPr>
+          <p:cNvPr id="3" name="Straight Arrow Connector 2"/>
+          <p:cNvCxnSpPr>
+            <a:endCxn id="83" idx="2"/>
+          </p:cNvCxnSpPr>
+          <p:nvPr/>
+        </p:nvCxnSpPr>
+        <p:spPr>
+          <a:xfrm>
+            <a:off x="5247506" y="4403126"/>
+            <a:ext cx="4675789" cy="11569"/>
+          </a:xfrm>
+          <a:prstGeom prst="straightConnector1">
+            <a:avLst/>
+          </a:prstGeom>
+          <a:ln w="38100">
+            <a:solidFill>
+              <a:schemeClr val="accent4">
+                <a:lumMod val="75000"/>
+              </a:schemeClr>
+            </a:solidFill>
+            <a:prstDash val="sysDot"/>
+            <a:tailEnd type="triangle"/>
+          </a:ln>
+        </p:spPr>
+        <p:style>
+          <a:lnRef idx="1">
+            <a:schemeClr val="accent1"/>
+          </a:lnRef>
+          <a:fillRef idx="0">
+            <a:schemeClr val="accent1"/>
+          </a:fillRef>
+          <a:effectRef idx="0">
+            <a:schemeClr val="accent1"/>
+          </a:effectRef>
+          <a:fontRef idx="minor">
+            <a:schemeClr val="tx1"/>
+          </a:fontRef>
+        </p:style>
+      </p:cxnSp>
     </p:spTree>
     <p:extLst>
       <p:ext uri="{BB962C8B-B14F-4D97-AF65-F5344CB8AC3E}">
